--- a/PPT.pptx
+++ b/PPT.pptx
@@ -11820,7 +11820,7 @@
           <a:p>
             <a:r>
               <a:rPr lang="en-US" dirty="0"/>
-              <a:t>Devanshu Sheth:-Performing clustering of similar headlines using k-means clustering using NLTK library, optimizing the parameters for ideal headline extraction from HTML file, converting the clustered files to json, optimizing the project to improve the clustering and final project evaluation, translation of headlines from Spanish to English and developing project proposal document.</a:t>
+              <a:t>Devanshu Sheth:-Performing clustering of similar headlines using k-means clustering using NLTK library, optimizing the parameters for ideal headline extraction from HTML file, converting the clustered files to json, optimizing the project to improve the clustering and performance evaluation, translation of headlines from Spanish to English and developing project proposal document.</a:t>
             </a:r>
           </a:p>
           <a:p>
